--- a/ChengWensheng-210607-Report.pptx
+++ b/ChengWensheng-210607-Report.pptx
@@ -208,7 +208,7 @@
           <a:p>
             <a:fld id="{787C594C-4845-430F-8E14-87CC9113DFED}" type="datetimeFigureOut">
               <a:rPr lang="zh-CN" altLang="en-US" smtClean="0"/>
-              <a:t>2021/6/8</a:t>
+              <a:t>2021/8/30</a:t>
             </a:fld>
             <a:endParaRPr lang="zh-CN" altLang="en-US"/>
           </a:p>
@@ -688,7 +688,7 @@
           <a:p>
             <a:fld id="{47E27B2F-45EF-4723-8F48-7182D792568C}" type="datetimeFigureOut">
               <a:rPr lang="zh-CN" altLang="en-US" smtClean="0"/>
-              <a:t>2021/6/8</a:t>
+              <a:t>2021/8/30</a:t>
             </a:fld>
             <a:endParaRPr lang="zh-CN" altLang="en-US"/>
           </a:p>
@@ -856,7 +856,7 @@
           <a:p>
             <a:fld id="{47E27B2F-45EF-4723-8F48-7182D792568C}" type="datetimeFigureOut">
               <a:rPr lang="zh-CN" altLang="en-US" smtClean="0"/>
-              <a:t>2021/6/8</a:t>
+              <a:t>2021/8/30</a:t>
             </a:fld>
             <a:endParaRPr lang="zh-CN" altLang="en-US"/>
           </a:p>
@@ -1034,7 +1034,7 @@
           <a:p>
             <a:fld id="{47E27B2F-45EF-4723-8F48-7182D792568C}" type="datetimeFigureOut">
               <a:rPr lang="zh-CN" altLang="en-US" smtClean="0"/>
-              <a:t>2021/6/8</a:t>
+              <a:t>2021/8/30</a:t>
             </a:fld>
             <a:endParaRPr lang="zh-CN" altLang="en-US"/>
           </a:p>
@@ -1202,7 +1202,7 @@
           <a:p>
             <a:fld id="{47E27B2F-45EF-4723-8F48-7182D792568C}" type="datetimeFigureOut">
               <a:rPr lang="zh-CN" altLang="en-US" smtClean="0"/>
-              <a:t>2021/6/8</a:t>
+              <a:t>2021/8/30</a:t>
             </a:fld>
             <a:endParaRPr lang="zh-CN" altLang="en-US"/>
           </a:p>
@@ -1447,7 +1447,7 @@
           <a:p>
             <a:fld id="{47E27B2F-45EF-4723-8F48-7182D792568C}" type="datetimeFigureOut">
               <a:rPr lang="zh-CN" altLang="en-US" smtClean="0"/>
-              <a:t>2021/6/8</a:t>
+              <a:t>2021/8/30</a:t>
             </a:fld>
             <a:endParaRPr lang="zh-CN" altLang="en-US"/>
           </a:p>
@@ -1676,7 +1676,7 @@
           <a:p>
             <a:fld id="{47E27B2F-45EF-4723-8F48-7182D792568C}" type="datetimeFigureOut">
               <a:rPr lang="zh-CN" altLang="en-US" smtClean="0"/>
-              <a:t>2021/6/8</a:t>
+              <a:t>2021/8/30</a:t>
             </a:fld>
             <a:endParaRPr lang="zh-CN" altLang="en-US"/>
           </a:p>
@@ -2040,7 +2040,7 @@
           <a:p>
             <a:fld id="{47E27B2F-45EF-4723-8F48-7182D792568C}" type="datetimeFigureOut">
               <a:rPr lang="zh-CN" altLang="en-US" smtClean="0"/>
-              <a:t>2021/6/8</a:t>
+              <a:t>2021/8/30</a:t>
             </a:fld>
             <a:endParaRPr lang="zh-CN" altLang="en-US"/>
           </a:p>
@@ -2157,7 +2157,7 @@
           <a:p>
             <a:fld id="{47E27B2F-45EF-4723-8F48-7182D792568C}" type="datetimeFigureOut">
               <a:rPr lang="zh-CN" altLang="en-US" smtClean="0"/>
-              <a:t>2021/6/8</a:t>
+              <a:t>2021/8/30</a:t>
             </a:fld>
             <a:endParaRPr lang="zh-CN" altLang="en-US"/>
           </a:p>
@@ -2252,7 +2252,7 @@
           <a:p>
             <a:fld id="{47E27B2F-45EF-4723-8F48-7182D792568C}" type="datetimeFigureOut">
               <a:rPr lang="zh-CN" altLang="en-US" smtClean="0"/>
-              <a:t>2021/6/8</a:t>
+              <a:t>2021/8/30</a:t>
             </a:fld>
             <a:endParaRPr lang="zh-CN" altLang="en-US"/>
           </a:p>
@@ -2527,7 +2527,7 @@
           <a:p>
             <a:fld id="{47E27B2F-45EF-4723-8F48-7182D792568C}" type="datetimeFigureOut">
               <a:rPr lang="zh-CN" altLang="en-US" smtClean="0"/>
-              <a:t>2021/6/8</a:t>
+              <a:t>2021/8/30</a:t>
             </a:fld>
             <a:endParaRPr lang="zh-CN" altLang="en-US"/>
           </a:p>
@@ -2779,7 +2779,7 @@
           <a:p>
             <a:fld id="{47E27B2F-45EF-4723-8F48-7182D792568C}" type="datetimeFigureOut">
               <a:rPr lang="zh-CN" altLang="en-US" smtClean="0"/>
-              <a:t>2021/6/8</a:t>
+              <a:t>2021/8/30</a:t>
             </a:fld>
             <a:endParaRPr lang="zh-CN" altLang="en-US"/>
           </a:p>
@@ -2990,7 +2990,7 @@
           <a:p>
             <a:fld id="{47E27B2F-45EF-4723-8F48-7182D792568C}" type="datetimeFigureOut">
               <a:rPr lang="zh-CN" altLang="en-US" smtClean="0"/>
-              <a:t>2021/6/8</a:t>
+              <a:t>2021/8/30</a:t>
             </a:fld>
             <a:endParaRPr lang="zh-CN" altLang="en-US"/>
           </a:p>
